--- a/Ch_02_RevisionsSLCI/Cy_01_Ch_02_05_App_01_Bode/images/Présentation1.pptx
+++ b/Ch_02_RevisionsSLCI/Cy_01_Ch_02_05_App_01_Bode/images/Présentation1.pptx
@@ -7,6 +7,7 @@
   <p:sldIdLst>
     <p:sldId id="256" r:id="rId2"/>
     <p:sldId id="257" r:id="rId3"/>
+    <p:sldId id="258" r:id="rId4"/>
   </p:sldIdLst>
   <p:sldSz cx="12192000" cy="6858000"/>
   <p:notesSz cx="6858000" cy="9144000"/>
@@ -105,6 +106,11 @@
       </a:defRPr>
     </a:lvl9pPr>
   </p:defaultTextStyle>
+  <p:extLst>
+    <p:ext uri="{EFAFB233-063F-42B5-8137-9DF3F51BA10A}">
+      <p15:sldGuideLst xmlns:p15="http://schemas.microsoft.com/office/powerpoint/2012/main"/>
+    </p:ext>
+  </p:extLst>
 </p:presentation>
 </file>
 
@@ -255,7 +261,7 @@
           <a:p>
             <a:fld id="{0B5E623B-45A3-4258-BE69-4EADA5BDCB5A}" type="datetimeFigureOut">
               <a:rPr lang="fr-FR" smtClean="0"/>
-              <a:t>19/09/2019</a:t>
+              <a:t>12/09/2022</a:t>
             </a:fld>
             <a:endParaRPr lang="fr-FR"/>
           </a:p>
@@ -453,7 +459,7 @@
           <a:p>
             <a:fld id="{0B5E623B-45A3-4258-BE69-4EADA5BDCB5A}" type="datetimeFigureOut">
               <a:rPr lang="fr-FR" smtClean="0"/>
-              <a:t>19/09/2019</a:t>
+              <a:t>12/09/2022</a:t>
             </a:fld>
             <a:endParaRPr lang="fr-FR"/>
           </a:p>
@@ -661,7 +667,7 @@
           <a:p>
             <a:fld id="{0B5E623B-45A3-4258-BE69-4EADA5BDCB5A}" type="datetimeFigureOut">
               <a:rPr lang="fr-FR" smtClean="0"/>
-              <a:t>19/09/2019</a:t>
+              <a:t>12/09/2022</a:t>
             </a:fld>
             <a:endParaRPr lang="fr-FR"/>
           </a:p>
@@ -859,7 +865,7 @@
           <a:p>
             <a:fld id="{0B5E623B-45A3-4258-BE69-4EADA5BDCB5A}" type="datetimeFigureOut">
               <a:rPr lang="fr-FR" smtClean="0"/>
-              <a:t>19/09/2019</a:t>
+              <a:t>12/09/2022</a:t>
             </a:fld>
             <a:endParaRPr lang="fr-FR"/>
           </a:p>
@@ -1134,7 +1140,7 @@
           <a:p>
             <a:fld id="{0B5E623B-45A3-4258-BE69-4EADA5BDCB5A}" type="datetimeFigureOut">
               <a:rPr lang="fr-FR" smtClean="0"/>
-              <a:t>19/09/2019</a:t>
+              <a:t>12/09/2022</a:t>
             </a:fld>
             <a:endParaRPr lang="fr-FR"/>
           </a:p>
@@ -1399,7 +1405,7 @@
           <a:p>
             <a:fld id="{0B5E623B-45A3-4258-BE69-4EADA5BDCB5A}" type="datetimeFigureOut">
               <a:rPr lang="fr-FR" smtClean="0"/>
-              <a:t>19/09/2019</a:t>
+              <a:t>12/09/2022</a:t>
             </a:fld>
             <a:endParaRPr lang="fr-FR"/>
           </a:p>
@@ -1811,7 +1817,7 @@
           <a:p>
             <a:fld id="{0B5E623B-45A3-4258-BE69-4EADA5BDCB5A}" type="datetimeFigureOut">
               <a:rPr lang="fr-FR" smtClean="0"/>
-              <a:t>19/09/2019</a:t>
+              <a:t>12/09/2022</a:t>
             </a:fld>
             <a:endParaRPr lang="fr-FR"/>
           </a:p>
@@ -1952,7 +1958,7 @@
           <a:p>
             <a:fld id="{0B5E623B-45A3-4258-BE69-4EADA5BDCB5A}" type="datetimeFigureOut">
               <a:rPr lang="fr-FR" smtClean="0"/>
-              <a:t>19/09/2019</a:t>
+              <a:t>12/09/2022</a:t>
             </a:fld>
             <a:endParaRPr lang="fr-FR"/>
           </a:p>
@@ -2065,7 +2071,7 @@
           <a:p>
             <a:fld id="{0B5E623B-45A3-4258-BE69-4EADA5BDCB5A}" type="datetimeFigureOut">
               <a:rPr lang="fr-FR" smtClean="0"/>
-              <a:t>19/09/2019</a:t>
+              <a:t>12/09/2022</a:t>
             </a:fld>
             <a:endParaRPr lang="fr-FR"/>
           </a:p>
@@ -2376,7 +2382,7 @@
           <a:p>
             <a:fld id="{0B5E623B-45A3-4258-BE69-4EADA5BDCB5A}" type="datetimeFigureOut">
               <a:rPr lang="fr-FR" smtClean="0"/>
-              <a:t>19/09/2019</a:t>
+              <a:t>12/09/2022</a:t>
             </a:fld>
             <a:endParaRPr lang="fr-FR"/>
           </a:p>
@@ -2664,7 +2670,7 @@
           <a:p>
             <a:fld id="{0B5E623B-45A3-4258-BE69-4EADA5BDCB5A}" type="datetimeFigureOut">
               <a:rPr lang="fr-FR" smtClean="0"/>
-              <a:t>19/09/2019</a:t>
+              <a:t>12/09/2022</a:t>
             </a:fld>
             <a:endParaRPr lang="fr-FR"/>
           </a:p>
@@ -2905,7 +2911,7 @@
           <a:p>
             <a:fld id="{0B5E623B-45A3-4258-BE69-4EADA5BDCB5A}" type="datetimeFigureOut">
               <a:rPr lang="fr-FR" smtClean="0"/>
-              <a:t>19/09/2019</a:t>
+              <a:t>12/09/2022</a:t>
             </a:fld>
             <a:endParaRPr lang="fr-FR"/>
           </a:p>
@@ -4521,6 +4527,1916 @@
 </p:sld>
 </file>
 
+<file path=ppt/slides/slide3.xml><?xml version="1.0" encoding="utf-8"?>
+<p:sld xmlns:a="http://schemas.openxmlformats.org/drawingml/2006/main" xmlns:r="http://schemas.openxmlformats.org/officeDocument/2006/relationships" xmlns:p="http://schemas.openxmlformats.org/presentationml/2006/main">
+  <p:cSld>
+    <p:spTree>
+      <p:nvGrpSpPr>
+        <p:cNvPr id="1" name=""/>
+        <p:cNvGrpSpPr/>
+        <p:nvPr/>
+      </p:nvGrpSpPr>
+      <p:grpSpPr>
+        <a:xfrm>
+          <a:off x="0" y="0"/>
+          <a:ext cx="0" cy="0"/>
+          <a:chOff x="0" y="0"/>
+          <a:chExt cx="0" cy="0"/>
+        </a:xfrm>
+      </p:grpSpPr>
+      <p:sp>
+        <p:nvSpPr>
+          <p:cNvPr id="2" name="Titre 1">
+            <a:extLst>
+              <a:ext uri="{FF2B5EF4-FFF2-40B4-BE49-F238E27FC236}">
+                <a16:creationId xmlns:a16="http://schemas.microsoft.com/office/drawing/2014/main" id="{DC3B1A36-7A23-8C23-E6A0-FEA9C6C5854B}"/>
+              </a:ext>
+            </a:extLst>
+          </p:cNvPr>
+          <p:cNvSpPr>
+            <a:spLocks noGrp="1"/>
+          </p:cNvSpPr>
+          <p:nvPr>
+            <p:ph type="title"/>
+          </p:nvPr>
+        </p:nvSpPr>
+        <p:spPr/>
+        <p:txBody>
+          <a:bodyPr/>
+          <a:lstStyle/>
+          <a:p>
+            <a:endParaRPr lang="fr-FR"/>
+          </a:p>
+        </p:txBody>
+      </p:sp>
+      <mc:AlternateContent xmlns:mc="http://schemas.openxmlformats.org/markup-compatibility/2006">
+        <mc:Choice xmlns:a14="http://schemas.microsoft.com/office/drawing/2010/main" Requires="a14">
+          <p:graphicFrame>
+            <p:nvGraphicFramePr>
+              <p:cNvPr id="4" name="Tableau 4">
+                <a:extLst>
+                  <a:ext uri="{FF2B5EF4-FFF2-40B4-BE49-F238E27FC236}">
+                    <a16:creationId xmlns:a16="http://schemas.microsoft.com/office/drawing/2014/main" id="{54F70D7F-277A-EE0D-2DA1-1B109F09745E}"/>
+                  </a:ext>
+                </a:extLst>
+              </p:cNvPr>
+              <p:cNvGraphicFramePr>
+                <a:graphicFrameLocks noGrp="1"/>
+              </p:cNvGraphicFramePr>
+              <p:nvPr>
+                <p:extLst>
+                  <p:ext uri="{D42A27DB-BD31-4B8C-83A1-F6EECF244321}">
+                    <p14:modId xmlns:p14="http://schemas.microsoft.com/office/powerpoint/2010/main" val="2559908657"/>
+                  </p:ext>
+                </p:extLst>
+              </p:nvPr>
+            </p:nvGraphicFramePr>
+            <p:xfrm>
+              <a:off x="558800" y="2237916"/>
+              <a:ext cx="10668001" cy="4025406"/>
+            </p:xfrm>
+            <a:graphic>
+              <a:graphicData uri="http://schemas.openxmlformats.org/drawingml/2006/table">
+                <a:tbl>
+                  <a:tblPr firstRow="1" bandRow="1">
+                    <a:tableStyleId>{5940675A-B579-460E-94D1-54222C63F5DA}</a:tableStyleId>
+                  </a:tblPr>
+                  <a:tblGrid>
+                    <a:gridCol w="2124686">
+                      <a:extLst>
+                        <a:ext uri="{9D8B030D-6E8A-4147-A177-3AD203B41FA5}">
+                          <a16:colId xmlns:a16="http://schemas.microsoft.com/office/drawing/2014/main" val="2836250546"/>
+                        </a:ext>
+                      </a:extLst>
+                    </a:gridCol>
+                    <a:gridCol w="1699692">
+                      <a:extLst>
+                        <a:ext uri="{9D8B030D-6E8A-4147-A177-3AD203B41FA5}">
+                          <a16:colId xmlns:a16="http://schemas.microsoft.com/office/drawing/2014/main" val="2794441349"/>
+                        </a:ext>
+                      </a:extLst>
+                    </a:gridCol>
+                    <a:gridCol w="1148079">
+                      <a:extLst>
+                        <a:ext uri="{9D8B030D-6E8A-4147-A177-3AD203B41FA5}">
+                          <a16:colId xmlns:a16="http://schemas.microsoft.com/office/drawing/2014/main" val="3622158230"/>
+                        </a:ext>
+                      </a:extLst>
+                    </a:gridCol>
+                    <a:gridCol w="1423886">
+                      <a:extLst>
+                        <a:ext uri="{9D8B030D-6E8A-4147-A177-3AD203B41FA5}">
+                          <a16:colId xmlns:a16="http://schemas.microsoft.com/office/drawing/2014/main" val="2129763702"/>
+                        </a:ext>
+                      </a:extLst>
+                    </a:gridCol>
+                    <a:gridCol w="1423886">
+                      <a:extLst>
+                        <a:ext uri="{9D8B030D-6E8A-4147-A177-3AD203B41FA5}">
+                          <a16:colId xmlns:a16="http://schemas.microsoft.com/office/drawing/2014/main" val="4091109839"/>
+                        </a:ext>
+                      </a:extLst>
+                    </a:gridCol>
+                    <a:gridCol w="1031671">
+                      <a:extLst>
+                        <a:ext uri="{9D8B030D-6E8A-4147-A177-3AD203B41FA5}">
+                          <a16:colId xmlns:a16="http://schemas.microsoft.com/office/drawing/2014/main" val="4274175944"/>
+                        </a:ext>
+                      </a:extLst>
+                    </a:gridCol>
+                    <a:gridCol w="1816101">
+                      <a:extLst>
+                        <a:ext uri="{9D8B030D-6E8A-4147-A177-3AD203B41FA5}">
+                          <a16:colId xmlns:a16="http://schemas.microsoft.com/office/drawing/2014/main" val="1059561850"/>
+                        </a:ext>
+                      </a:extLst>
+                    </a:gridCol>
+                  </a:tblGrid>
+                  <a:tr h="799098">
+                    <a:tc>
+                      <a:txBody>
+                        <a:bodyPr/>
+                        <a:lstStyle/>
+                        <a:p>
+                          <a:endParaRPr lang="fr-FR" dirty="0"/>
+                        </a:p>
+                      </a:txBody>
+                      <a:tcPr/>
+                    </a:tc>
+                    <a:tc gridSpan="2">
+                      <a:txBody>
+                        <a:bodyPr/>
+                        <a:lstStyle/>
+                        <a:p>
+                          <a14:m>
+                            <m:oMathPara xmlns:m="http://schemas.openxmlformats.org/officeDocument/2006/math">
+                              <m:oMathParaPr>
+                                <m:jc m:val="centerGroup"/>
+                              </m:oMathParaPr>
+                              <m:oMath xmlns:m="http://schemas.openxmlformats.org/officeDocument/2006/math">
+                                <m:r>
+                                  <a:rPr lang="fr-FR" b="0" i="1" smtClean="0">
+                                    <a:latin typeface="Cambria Math" panose="02040503050406030204" pitchFamily="18" charset="0"/>
+                                  </a:rPr>
+                                  <m:t>1</m:t>
+                                </m:r>
+                                <m:r>
+                                  <a:rPr lang="fr-FR" b="0" i="0" smtClean="0">
+                                    <a:latin typeface="Cambria Math" panose="02040503050406030204" pitchFamily="18" charset="0"/>
+                                  </a:rPr>
+                                  <m:t> </m:t>
+                                </m:r>
+                                <m:r>
+                                  <m:rPr>
+                                    <m:sty m:val="p"/>
+                                  </m:rPr>
+                                  <a:rPr lang="fr-FR" b="0" i="0" smtClean="0">
+                                    <a:latin typeface="Cambria Math" panose="02040503050406030204" pitchFamily="18" charset="0"/>
+                                  </a:rPr>
+                                  <m:t>rad</m:t>
+                                </m:r>
+                                <m:r>
+                                  <m:rPr>
+                                    <m:lit/>
+                                  </m:rPr>
+                                  <a:rPr lang="fr-FR" b="0" i="0" smtClean="0">
+                                    <a:latin typeface="Cambria Math" panose="02040503050406030204" pitchFamily="18" charset="0"/>
+                                  </a:rPr>
+                                  <m:t>/</m:t>
+                                </m:r>
+                                <m:r>
+                                  <m:rPr>
+                                    <m:sty m:val="p"/>
+                                  </m:rPr>
+                                  <a:rPr lang="fr-FR" b="0" i="0" smtClean="0">
+                                    <a:latin typeface="Cambria Math" panose="02040503050406030204" pitchFamily="18" charset="0"/>
+                                  </a:rPr>
+                                  <m:t>s</m:t>
+                                </m:r>
+                              </m:oMath>
+                            </m:oMathPara>
+                          </a14:m>
+                          <a:endParaRPr lang="fr-FR" dirty="0"/>
+                        </a:p>
+                      </a:txBody>
+                      <a:tcPr anchor="ctr"/>
+                    </a:tc>
+                    <a:tc hMerge="1">
+                      <a:txBody>
+                        <a:bodyPr/>
+                        <a:lstStyle/>
+                        <a:p>
+                          <a:endParaRPr lang="fr-FR"/>
+                        </a:p>
+                      </a:txBody>
+                      <a:tcPr/>
+                    </a:tc>
+                    <a:tc gridSpan="2">
+                      <a:txBody>
+                        <a:bodyPr/>
+                        <a:lstStyle/>
+                        <a:p>
+                          <a14:m>
+                            <m:oMathPara xmlns:m="http://schemas.openxmlformats.org/officeDocument/2006/math">
+                              <m:oMathParaPr>
+                                <m:jc m:val="centerGroup"/>
+                              </m:oMathParaPr>
+                              <m:oMath xmlns:m="http://schemas.openxmlformats.org/officeDocument/2006/math">
+                                <m:f>
+                                  <m:fPr>
+                                    <m:ctrlPr>
+                                      <a:rPr lang="fr-FR" b="0" i="1" smtClean="0">
+                                        <a:latin typeface="Cambria Math" panose="02040503050406030204" pitchFamily="18" charset="0"/>
+                                      </a:rPr>
+                                    </m:ctrlPr>
+                                  </m:fPr>
+                                  <m:num>
+                                    <m:r>
+                                      <a:rPr lang="fr-FR" b="0" i="1" smtClean="0">
+                                        <a:latin typeface="Cambria Math" panose="02040503050406030204" pitchFamily="18" charset="0"/>
+                                      </a:rPr>
+                                      <m:t>1</m:t>
+                                    </m:r>
+                                  </m:num>
+                                  <m:den>
+                                    <m:r>
+                                      <a:rPr lang="fr-FR" b="0" i="1" smtClean="0">
+                                        <a:latin typeface="Cambria Math" panose="02040503050406030204" pitchFamily="18" charset="0"/>
+                                      </a:rPr>
+                                      <m:t>0,25</m:t>
+                                    </m:r>
+                                  </m:den>
+                                </m:f>
+                                <m:r>
+                                  <a:rPr lang="fr-FR" b="0" i="1" smtClean="0">
+                                    <a:latin typeface="Cambria Math" panose="02040503050406030204" pitchFamily="18" charset="0"/>
+                                  </a:rPr>
+                                  <m:t>=4 </m:t>
+                                </m:r>
+                                <m:r>
+                                  <m:rPr>
+                                    <m:sty m:val="p"/>
+                                  </m:rPr>
+                                  <a:rPr lang="fr-FR" b="0" i="0" smtClean="0">
+                                    <a:latin typeface="Cambria Math" panose="02040503050406030204" pitchFamily="18" charset="0"/>
+                                  </a:rPr>
+                                  <m:t>rad</m:t>
+                                </m:r>
+                                <m:r>
+                                  <m:rPr>
+                                    <m:lit/>
+                                  </m:rPr>
+                                  <a:rPr lang="fr-FR" b="0" i="0" smtClean="0">
+                                    <a:latin typeface="Cambria Math" panose="02040503050406030204" pitchFamily="18" charset="0"/>
+                                  </a:rPr>
+                                  <m:t>/</m:t>
+                                </m:r>
+                                <m:r>
+                                  <m:rPr>
+                                    <m:sty m:val="p"/>
+                                  </m:rPr>
+                                  <a:rPr lang="fr-FR" b="0" i="0" smtClean="0">
+                                    <a:latin typeface="Cambria Math" panose="02040503050406030204" pitchFamily="18" charset="0"/>
+                                  </a:rPr>
+                                  <m:t>s</m:t>
+                                </m:r>
+                              </m:oMath>
+                            </m:oMathPara>
+                          </a14:m>
+                          <a:endParaRPr lang="fr-FR" i="0" dirty="0"/>
+                        </a:p>
+                      </a:txBody>
+                      <a:tcPr anchor="ctr"/>
+                    </a:tc>
+                    <a:tc hMerge="1">
+                      <a:txBody>
+                        <a:bodyPr/>
+                        <a:lstStyle/>
+                        <a:p>
+                          <a:endParaRPr lang="fr-FR"/>
+                        </a:p>
+                      </a:txBody>
+                      <a:tcPr/>
+                    </a:tc>
+                    <a:tc gridSpan="2">
+                      <a:txBody>
+                        <a:bodyPr/>
+                        <a:lstStyle/>
+                        <a:p>
+                          <a14:m>
+                            <m:oMathPara xmlns:m="http://schemas.openxmlformats.org/officeDocument/2006/math">
+                              <m:oMathParaPr>
+                                <m:jc m:val="centerGroup"/>
+                              </m:oMathParaPr>
+                              <m:oMath xmlns:m="http://schemas.openxmlformats.org/officeDocument/2006/math">
+                                <m:f>
+                                  <m:fPr>
+                                    <m:ctrlPr>
+                                      <a:rPr lang="fr-FR" b="0" i="1" smtClean="0">
+                                        <a:latin typeface="Cambria Math" panose="02040503050406030204" pitchFamily="18" charset="0"/>
+                                      </a:rPr>
+                                    </m:ctrlPr>
+                                  </m:fPr>
+                                  <m:num>
+                                    <m:r>
+                                      <a:rPr lang="fr-FR" b="0" i="1" smtClean="0">
+                                        <a:latin typeface="Cambria Math" panose="02040503050406030204" pitchFamily="18" charset="0"/>
+                                      </a:rPr>
+                                      <m:t>1</m:t>
+                                    </m:r>
+                                  </m:num>
+                                  <m:den>
+                                    <m:r>
+                                      <a:rPr lang="fr-FR" b="0" i="1" smtClean="0">
+                                        <a:latin typeface="Cambria Math" panose="02040503050406030204" pitchFamily="18" charset="0"/>
+                                      </a:rPr>
+                                      <m:t>0,0167</m:t>
+                                    </m:r>
+                                  </m:den>
+                                </m:f>
+                                <m:r>
+                                  <a:rPr lang="fr-FR" b="0" i="1" smtClean="0">
+                                    <a:latin typeface="Cambria Math" panose="02040503050406030204" pitchFamily="18" charset="0"/>
+                                  </a:rPr>
+                                  <m:t>=60 </m:t>
+                                </m:r>
+                                <m:r>
+                                  <m:rPr>
+                                    <m:sty m:val="p"/>
+                                  </m:rPr>
+                                  <a:rPr lang="fr-FR" b="0" i="0" smtClean="0">
+                                    <a:latin typeface="Cambria Math" panose="02040503050406030204" pitchFamily="18" charset="0"/>
+                                  </a:rPr>
+                                  <m:t>rad</m:t>
+                                </m:r>
+                                <m:r>
+                                  <m:rPr>
+                                    <m:lit/>
+                                  </m:rPr>
+                                  <a:rPr lang="fr-FR" b="0" i="0" smtClean="0">
+                                    <a:latin typeface="Cambria Math" panose="02040503050406030204" pitchFamily="18" charset="0"/>
+                                  </a:rPr>
+                                  <m:t>/</m:t>
+                                </m:r>
+                                <m:r>
+                                  <m:rPr>
+                                    <m:sty m:val="p"/>
+                                  </m:rPr>
+                                  <a:rPr lang="fr-FR" b="0" i="0" smtClean="0">
+                                    <a:latin typeface="Cambria Math" panose="02040503050406030204" pitchFamily="18" charset="0"/>
+                                  </a:rPr>
+                                  <m:t>s</m:t>
+                                </m:r>
+                              </m:oMath>
+                            </m:oMathPara>
+                          </a14:m>
+                          <a:endParaRPr lang="fr-FR" dirty="0"/>
+                        </a:p>
+                      </a:txBody>
+                      <a:tcPr anchor="ctr"/>
+                    </a:tc>
+                    <a:tc hMerge="1">
+                      <a:txBody>
+                        <a:bodyPr/>
+                        <a:lstStyle/>
+                        <a:p>
+                          <a:endParaRPr lang="fr-FR"/>
+                        </a:p>
+                      </a:txBody>
+                      <a:tcPr/>
+                    </a:tc>
+                    <a:extLst>
+                      <a:ext uri="{0D108BD9-81ED-4DB2-BD59-A6C34878D82A}">
+                        <a16:rowId xmlns:a16="http://schemas.microsoft.com/office/drawing/2014/main" val="2345922396"/>
+                      </a:ext>
+                    </a:extLst>
+                  </a:tr>
+                  <a:tr h="370840">
+                    <a:tc>
+                      <a:txBody>
+                        <a:bodyPr/>
+                        <a:lstStyle/>
+                        <a:p>
+                          <a14:m>
+                            <m:oMathPara xmlns:m="http://schemas.openxmlformats.org/officeDocument/2006/math">
+                              <m:oMathParaPr>
+                                <m:jc m:val="centerGroup"/>
+                              </m:oMathParaPr>
+                              <m:oMath xmlns:m="http://schemas.openxmlformats.org/officeDocument/2006/math">
+                                <m:r>
+                                  <a:rPr lang="fr-FR" b="0" i="1" smtClean="0">
+                                    <a:latin typeface="Cambria Math" panose="02040503050406030204" pitchFamily="18" charset="0"/>
+                                  </a:rPr>
+                                  <m:t>1+0,0167</m:t>
+                                </m:r>
+                                <m:r>
+                                  <a:rPr lang="fr-FR" b="0" i="1" smtClean="0">
+                                    <a:latin typeface="Cambria Math" panose="02040503050406030204" pitchFamily="18" charset="0"/>
+                                  </a:rPr>
+                                  <m:t>𝑝</m:t>
+                                </m:r>
+                              </m:oMath>
+                            </m:oMathPara>
+                          </a14:m>
+                          <a:endParaRPr lang="fr-FR" dirty="0"/>
+                        </a:p>
+                      </a:txBody>
+                      <a:tcPr/>
+                    </a:tc>
+                    <a:tc>
+                      <a:txBody>
+                        <a:bodyPr/>
+                        <a:lstStyle/>
+                        <a:p>
+                          <a:r>
+                            <a:rPr lang="fr-FR" dirty="0"/>
+                            <a:t>0 dB/décade</a:t>
+                          </a:r>
+                        </a:p>
+                        <a:p>
+                          <a:r>
+                            <a:rPr lang="fr-FR" dirty="0"/>
+                            <a:t>0°</a:t>
+                          </a:r>
+                        </a:p>
+                      </a:txBody>
+                      <a:tcPr/>
+                    </a:tc>
+                    <a:tc gridSpan="2">
+                      <a:txBody>
+                        <a:bodyPr/>
+                        <a:lstStyle/>
+                        <a:p>
+                          <a:r>
+                            <a:rPr lang="fr-FR" dirty="0"/>
+                            <a:t>0 dB/décade</a:t>
+                          </a:r>
+                        </a:p>
+                        <a:p>
+                          <a:r>
+                            <a:rPr lang="fr-FR" dirty="0"/>
+                            <a:t>0°</a:t>
+                          </a:r>
+                        </a:p>
+                      </a:txBody>
+                      <a:tcPr/>
+                    </a:tc>
+                    <a:tc hMerge="1">
+                      <a:txBody>
+                        <a:bodyPr/>
+                        <a:lstStyle/>
+                        <a:p>
+                          <a:endParaRPr lang="fr-FR" dirty="0"/>
+                        </a:p>
+                      </a:txBody>
+                      <a:tcPr/>
+                    </a:tc>
+                    <a:tc gridSpan="2">
+                      <a:txBody>
+                        <a:bodyPr/>
+                        <a:lstStyle/>
+                        <a:p>
+                          <a:r>
+                            <a:rPr lang="fr-FR" dirty="0"/>
+                            <a:t>0 dB/décade</a:t>
+                          </a:r>
+                        </a:p>
+                        <a:p>
+                          <a:r>
+                            <a:rPr lang="fr-FR" dirty="0"/>
+                            <a:t>0°</a:t>
+                          </a:r>
+                        </a:p>
+                      </a:txBody>
+                      <a:tcPr/>
+                    </a:tc>
+                    <a:tc hMerge="1">
+                      <a:txBody>
+                        <a:bodyPr/>
+                        <a:lstStyle/>
+                        <a:p>
+                          <a:endParaRPr lang="fr-FR" dirty="0"/>
+                        </a:p>
+                      </a:txBody>
+                      <a:tcPr/>
+                    </a:tc>
+                    <a:tc>
+                      <a:txBody>
+                        <a:bodyPr/>
+                        <a:lstStyle/>
+                        <a:p>
+                          <a:r>
+                            <a:rPr lang="fr-FR" dirty="0"/>
+                            <a:t>+20 dB/décade</a:t>
+                          </a:r>
+                        </a:p>
+                        <a:p>
+                          <a:r>
+                            <a:rPr lang="fr-FR" dirty="0"/>
+                            <a:t>+90°</a:t>
+                          </a:r>
+                        </a:p>
+                      </a:txBody>
+                      <a:tcPr/>
+                    </a:tc>
+                    <a:extLst>
+                      <a:ext uri="{0D108BD9-81ED-4DB2-BD59-A6C34878D82A}">
+                        <a16:rowId xmlns:a16="http://schemas.microsoft.com/office/drawing/2014/main" val="2322493713"/>
+                      </a:ext>
+                    </a:extLst>
+                  </a:tr>
+                  <a:tr h="370840">
+                    <a:tc>
+                      <a:txBody>
+                        <a:bodyPr/>
+                        <a:lstStyle/>
+                        <a:p>
+                          <a14:m>
+                            <m:oMathPara xmlns:m="http://schemas.openxmlformats.org/officeDocument/2006/math">
+                              <m:oMathParaPr>
+                                <m:jc m:val="centerGroup"/>
+                              </m:oMathParaPr>
+                              <m:oMath xmlns:m="http://schemas.openxmlformats.org/officeDocument/2006/math">
+                                <m:f>
+                                  <m:fPr>
+                                    <m:ctrlPr>
+                                      <a:rPr lang="fr-FR" b="0" i="1" smtClean="0">
+                                        <a:latin typeface="Cambria Math" panose="02040503050406030204" pitchFamily="18" charset="0"/>
+                                      </a:rPr>
+                                    </m:ctrlPr>
+                                  </m:fPr>
+                                  <m:num>
+                                    <m:r>
+                                      <a:rPr lang="fr-FR" b="0" i="1" smtClean="0">
+                                        <a:latin typeface="Cambria Math" panose="02040503050406030204" pitchFamily="18" charset="0"/>
+                                      </a:rPr>
+                                      <m:t>1</m:t>
+                                    </m:r>
+                                  </m:num>
+                                  <m:den>
+                                    <m:r>
+                                      <a:rPr lang="fr-FR" b="0" i="1" smtClean="0">
+                                        <a:latin typeface="Cambria Math" panose="02040503050406030204" pitchFamily="18" charset="0"/>
+                                      </a:rPr>
+                                      <m:t>1+</m:t>
+                                    </m:r>
+                                    <m:r>
+                                      <a:rPr lang="fr-FR" b="0" i="1" smtClean="0">
+                                        <a:latin typeface="Cambria Math" panose="02040503050406030204" pitchFamily="18" charset="0"/>
+                                      </a:rPr>
+                                      <m:t>𝑝</m:t>
+                                    </m:r>
+                                    <m:r>
+                                      <m:rPr>
+                                        <m:nor/>
+                                      </m:rPr>
+                                      <a:rPr lang="fr-FR" dirty="0"/>
+                                      <m:t> </m:t>
+                                    </m:r>
+                                  </m:den>
+                                </m:f>
+                              </m:oMath>
+                            </m:oMathPara>
+                          </a14:m>
+                          <a:endParaRPr lang="fr-FR" dirty="0"/>
+                        </a:p>
+                      </a:txBody>
+                      <a:tcPr/>
+                    </a:tc>
+                    <a:tc>
+                      <a:txBody>
+                        <a:bodyPr/>
+                        <a:lstStyle/>
+                        <a:p>
+                          <a:r>
+                            <a:rPr lang="fr-FR" dirty="0"/>
+                            <a:t>0 dB/décade</a:t>
+                          </a:r>
+                        </a:p>
+                      </a:txBody>
+                      <a:tcPr/>
+                    </a:tc>
+                    <a:tc gridSpan="2">
+                      <a:txBody>
+                        <a:bodyPr/>
+                        <a:lstStyle/>
+                        <a:p>
+                          <a:r>
+                            <a:rPr lang="fr-FR" dirty="0"/>
+                            <a:t>-20 dB/décade</a:t>
+                          </a:r>
+                        </a:p>
+                        <a:p>
+                          <a:r>
+                            <a:rPr lang="fr-FR" dirty="0"/>
+                            <a:t>-90°</a:t>
+                          </a:r>
+                        </a:p>
+                      </a:txBody>
+                      <a:tcPr/>
+                    </a:tc>
+                    <a:tc hMerge="1">
+                      <a:txBody>
+                        <a:bodyPr/>
+                        <a:lstStyle/>
+                        <a:p>
+                          <a:endParaRPr lang="fr-FR" dirty="0"/>
+                        </a:p>
+                      </a:txBody>
+                      <a:tcPr/>
+                    </a:tc>
+                    <a:tc gridSpan="2">
+                      <a:txBody>
+                        <a:bodyPr/>
+                        <a:lstStyle/>
+                        <a:p>
+                          <a:r>
+                            <a:rPr lang="fr-FR" dirty="0"/>
+                            <a:t>-20 dB/décade</a:t>
+                          </a:r>
+                        </a:p>
+                        <a:p>
+                          <a:r>
+                            <a:rPr lang="fr-FR" dirty="0"/>
+                            <a:t>-90°</a:t>
+                          </a:r>
+                        </a:p>
+                      </a:txBody>
+                      <a:tcPr/>
+                    </a:tc>
+                    <a:tc hMerge="1">
+                      <a:txBody>
+                        <a:bodyPr/>
+                        <a:lstStyle/>
+                        <a:p>
+                          <a:endParaRPr lang="fr-FR" dirty="0"/>
+                        </a:p>
+                      </a:txBody>
+                      <a:tcPr/>
+                    </a:tc>
+                    <a:tc>
+                      <a:txBody>
+                        <a:bodyPr/>
+                        <a:lstStyle/>
+                        <a:p>
+                          <a:r>
+                            <a:rPr lang="fr-FR" dirty="0"/>
+                            <a:t>-20 dB/décade</a:t>
+                          </a:r>
+                        </a:p>
+                        <a:p>
+                          <a:r>
+                            <a:rPr lang="fr-FR" dirty="0"/>
+                            <a:t>-90°</a:t>
+                          </a:r>
+                        </a:p>
+                      </a:txBody>
+                      <a:tcPr/>
+                    </a:tc>
+                    <a:extLst>
+                      <a:ext uri="{0D108BD9-81ED-4DB2-BD59-A6C34878D82A}">
+                        <a16:rowId xmlns:a16="http://schemas.microsoft.com/office/drawing/2014/main" val="2381357585"/>
+                      </a:ext>
+                    </a:extLst>
+                  </a:tr>
+                  <a:tr h="370840">
+                    <a:tc>
+                      <a:txBody>
+                        <a:bodyPr/>
+                        <a:lstStyle/>
+                        <a:p>
+                          <a14:m>
+                            <m:oMathPara xmlns:m="http://schemas.openxmlformats.org/officeDocument/2006/math">
+                              <m:oMathParaPr>
+                                <m:jc m:val="centerGroup"/>
+                              </m:oMathParaPr>
+                              <m:oMath xmlns:m="http://schemas.openxmlformats.org/officeDocument/2006/math">
+                                <m:f>
+                                  <m:fPr>
+                                    <m:ctrlPr>
+                                      <a:rPr lang="fr-FR" b="0" i="1" smtClean="0">
+                                        <a:latin typeface="Cambria Math" panose="02040503050406030204" pitchFamily="18" charset="0"/>
+                                      </a:rPr>
+                                    </m:ctrlPr>
+                                  </m:fPr>
+                                  <m:num>
+                                    <m:r>
+                                      <a:rPr lang="fr-FR" b="0" i="1" smtClean="0">
+                                        <a:latin typeface="Cambria Math" panose="02040503050406030204" pitchFamily="18" charset="0"/>
+                                      </a:rPr>
+                                      <m:t>1</m:t>
+                                    </m:r>
+                                  </m:num>
+                                  <m:den>
+                                    <m:r>
+                                      <a:rPr lang="fr-FR" b="0" i="1" smtClean="0">
+                                        <a:latin typeface="Cambria Math" panose="02040503050406030204" pitchFamily="18" charset="0"/>
+                                      </a:rPr>
+                                      <m:t>1+0,25</m:t>
+                                    </m:r>
+                                    <m:r>
+                                      <a:rPr lang="fr-FR" b="0" i="1" smtClean="0">
+                                        <a:latin typeface="Cambria Math" panose="02040503050406030204" pitchFamily="18" charset="0"/>
+                                      </a:rPr>
+                                      <m:t>𝑝</m:t>
+                                    </m:r>
+                                    <m:r>
+                                      <m:rPr>
+                                        <m:nor/>
+                                      </m:rPr>
+                                      <a:rPr lang="fr-FR" dirty="0"/>
+                                      <m:t> </m:t>
+                                    </m:r>
+                                  </m:den>
+                                </m:f>
+                              </m:oMath>
+                            </m:oMathPara>
+                          </a14:m>
+                          <a:endParaRPr lang="fr-FR" dirty="0"/>
+                        </a:p>
+                      </a:txBody>
+                      <a:tcPr/>
+                    </a:tc>
+                    <a:tc>
+                      <a:txBody>
+                        <a:bodyPr/>
+                        <a:lstStyle/>
+                        <a:p>
+                          <a:r>
+                            <a:rPr lang="fr-FR" dirty="0"/>
+                            <a:t>0 dB/décade</a:t>
+                          </a:r>
+                        </a:p>
+                        <a:p>
+                          <a:r>
+                            <a:rPr lang="fr-FR" dirty="0"/>
+                            <a:t>0°</a:t>
+                          </a:r>
+                        </a:p>
+                      </a:txBody>
+                      <a:tcPr/>
+                    </a:tc>
+                    <a:tc gridSpan="2">
+                      <a:txBody>
+                        <a:bodyPr/>
+                        <a:lstStyle/>
+                        <a:p>
+                          <a:r>
+                            <a:rPr lang="fr-FR" dirty="0"/>
+                            <a:t>0 dB/décade</a:t>
+                          </a:r>
+                        </a:p>
+                        <a:p>
+                          <a:r>
+                            <a:rPr lang="fr-FR" dirty="0"/>
+                            <a:t>0°</a:t>
+                          </a:r>
+                        </a:p>
+                      </a:txBody>
+                      <a:tcPr/>
+                    </a:tc>
+                    <a:tc hMerge="1">
+                      <a:txBody>
+                        <a:bodyPr/>
+                        <a:lstStyle/>
+                        <a:p>
+                          <a:endParaRPr lang="fr-FR" dirty="0"/>
+                        </a:p>
+                      </a:txBody>
+                      <a:tcPr/>
+                    </a:tc>
+                    <a:tc gridSpan="2">
+                      <a:txBody>
+                        <a:bodyPr/>
+                        <a:lstStyle/>
+                        <a:p>
+                          <a:r>
+                            <a:rPr lang="fr-FR" dirty="0"/>
+                            <a:t>-20 dB/décade</a:t>
+                          </a:r>
+                        </a:p>
+                        <a:p>
+                          <a:r>
+                            <a:rPr lang="fr-FR" dirty="0"/>
+                            <a:t>-90°</a:t>
+                          </a:r>
+                        </a:p>
+                      </a:txBody>
+                      <a:tcPr/>
+                    </a:tc>
+                    <a:tc hMerge="1">
+                      <a:txBody>
+                        <a:bodyPr/>
+                        <a:lstStyle/>
+                        <a:p>
+                          <a:endParaRPr lang="fr-FR" dirty="0"/>
+                        </a:p>
+                      </a:txBody>
+                      <a:tcPr/>
+                    </a:tc>
+                    <a:tc>
+                      <a:txBody>
+                        <a:bodyPr/>
+                        <a:lstStyle/>
+                        <a:p>
+                          <a:r>
+                            <a:rPr lang="fr-FR" dirty="0"/>
+                            <a:t>-20 dB/décade</a:t>
+                          </a:r>
+                        </a:p>
+                        <a:p>
+                          <a:r>
+                            <a:rPr lang="fr-FR" dirty="0"/>
+                            <a:t>-90°</a:t>
+                          </a:r>
+                        </a:p>
+                      </a:txBody>
+                      <a:tcPr/>
+                    </a:tc>
+                    <a:extLst>
+                      <a:ext uri="{0D108BD9-81ED-4DB2-BD59-A6C34878D82A}">
+                        <a16:rowId xmlns:a16="http://schemas.microsoft.com/office/drawing/2014/main" val="236419386"/>
+                      </a:ext>
+                    </a:extLst>
+                  </a:tr>
+                  <a:tr h="370840">
+                    <a:tc>
+                      <a:txBody>
+                        <a:bodyPr/>
+                        <a:lstStyle/>
+                        <a:p>
+                          <a14:m>
+                            <m:oMathPara xmlns:m="http://schemas.openxmlformats.org/officeDocument/2006/math">
+                              <m:oMathParaPr>
+                                <m:jc m:val="centerGroup"/>
+                              </m:oMathParaPr>
+                              <m:oMath xmlns:m="http://schemas.openxmlformats.org/officeDocument/2006/math">
+                                <m:r>
+                                  <a:rPr lang="fr-FR" b="0" i="1" smtClean="0">
+                                    <a:latin typeface="Cambria Math" panose="02040503050406030204" pitchFamily="18" charset="0"/>
+                                  </a:rPr>
+                                  <m:t>1/</m:t>
+                                </m:r>
+                                <m:r>
+                                  <a:rPr lang="fr-FR" b="0" i="1" smtClean="0">
+                                    <a:latin typeface="Cambria Math" panose="02040503050406030204" pitchFamily="18" charset="0"/>
+                                  </a:rPr>
+                                  <m:t>𝑝</m:t>
+                                </m:r>
+                              </m:oMath>
+                            </m:oMathPara>
+                          </a14:m>
+                          <a:endParaRPr lang="fr-FR" dirty="0"/>
+                        </a:p>
+                      </a:txBody>
+                      <a:tcPr/>
+                    </a:tc>
+                    <a:tc>
+                      <a:txBody>
+                        <a:bodyPr/>
+                        <a:lstStyle/>
+                        <a:p>
+                          <a:r>
+                            <a:rPr lang="fr-FR" dirty="0"/>
+                            <a:t>-20 dB/décade</a:t>
+                          </a:r>
+                        </a:p>
+                        <a:p>
+                          <a:r>
+                            <a:rPr lang="fr-FR" dirty="0"/>
+                            <a:t>-90°</a:t>
+                          </a:r>
+                        </a:p>
+                      </a:txBody>
+                      <a:tcPr/>
+                    </a:tc>
+                    <a:tc gridSpan="2">
+                      <a:txBody>
+                        <a:bodyPr/>
+                        <a:lstStyle/>
+                        <a:p>
+                          <a:r>
+                            <a:rPr lang="fr-FR" dirty="0"/>
+                            <a:t>-20 dB/décade</a:t>
+                          </a:r>
+                        </a:p>
+                        <a:p>
+                          <a:r>
+                            <a:rPr lang="fr-FR" dirty="0"/>
+                            <a:t>-90°</a:t>
+                          </a:r>
+                        </a:p>
+                      </a:txBody>
+                      <a:tcPr/>
+                    </a:tc>
+                    <a:tc hMerge="1">
+                      <a:txBody>
+                        <a:bodyPr/>
+                        <a:lstStyle/>
+                        <a:p>
+                          <a:endParaRPr lang="fr-FR" dirty="0"/>
+                        </a:p>
+                      </a:txBody>
+                      <a:tcPr/>
+                    </a:tc>
+                    <a:tc gridSpan="2">
+                      <a:txBody>
+                        <a:bodyPr/>
+                        <a:lstStyle/>
+                        <a:p>
+                          <a:r>
+                            <a:rPr lang="fr-FR" dirty="0"/>
+                            <a:t>-20 dB/décade</a:t>
+                          </a:r>
+                        </a:p>
+                        <a:p>
+                          <a:r>
+                            <a:rPr lang="fr-FR" dirty="0"/>
+                            <a:t>-90°</a:t>
+                          </a:r>
+                        </a:p>
+                      </a:txBody>
+                      <a:tcPr/>
+                    </a:tc>
+                    <a:tc hMerge="1">
+                      <a:txBody>
+                        <a:bodyPr/>
+                        <a:lstStyle/>
+                        <a:p>
+                          <a:endParaRPr lang="fr-FR" dirty="0"/>
+                        </a:p>
+                      </a:txBody>
+                      <a:tcPr/>
+                    </a:tc>
+                    <a:tc>
+                      <a:txBody>
+                        <a:bodyPr/>
+                        <a:lstStyle/>
+                        <a:p>
+                          <a:r>
+                            <a:rPr lang="fr-FR" dirty="0"/>
+                            <a:t>-20 dB/décade</a:t>
+                          </a:r>
+                        </a:p>
+                        <a:p>
+                          <a:r>
+                            <a:rPr lang="fr-FR" dirty="0"/>
+                            <a:t>-90°</a:t>
+                          </a:r>
+                        </a:p>
+                      </a:txBody>
+                      <a:tcPr/>
+                    </a:tc>
+                    <a:extLst>
+                      <a:ext uri="{0D108BD9-81ED-4DB2-BD59-A6C34878D82A}">
+                        <a16:rowId xmlns:a16="http://schemas.microsoft.com/office/drawing/2014/main" val="4095301325"/>
+                      </a:ext>
+                    </a:extLst>
+                  </a:tr>
+                  <a:tr h="370840">
+                    <a:tc>
+                      <a:txBody>
+                        <a:bodyPr/>
+                        <a:lstStyle/>
+                        <a:p>
+                          <a14:m>
+                            <m:oMathPara xmlns:m="http://schemas.openxmlformats.org/officeDocument/2006/math">
+                              <m:oMathParaPr>
+                                <m:jc m:val="centerGroup"/>
+                              </m:oMathParaPr>
+                              <m:oMath xmlns:m="http://schemas.openxmlformats.org/officeDocument/2006/math">
+                                <m:r>
+                                  <a:rPr lang="fr-FR" b="0" i="1" smtClean="0">
+                                    <a:latin typeface="Cambria Math" panose="02040503050406030204" pitchFamily="18" charset="0"/>
+                                  </a:rPr>
+                                  <m:t>𝐻</m:t>
+                                </m:r>
+                                <m:r>
+                                  <a:rPr lang="fr-FR" b="0" i="1" smtClean="0">
+                                    <a:latin typeface="Cambria Math" panose="02040503050406030204" pitchFamily="18" charset="0"/>
+                                  </a:rPr>
+                                  <m:t>(</m:t>
+                                </m:r>
+                                <m:r>
+                                  <a:rPr lang="fr-FR" b="0" i="1" smtClean="0">
+                                    <a:latin typeface="Cambria Math" panose="02040503050406030204" pitchFamily="18" charset="0"/>
+                                  </a:rPr>
+                                  <m:t>𝑝</m:t>
+                                </m:r>
+                                <m:r>
+                                  <a:rPr lang="fr-FR" b="0" i="1" smtClean="0">
+                                    <a:latin typeface="Cambria Math" panose="02040503050406030204" pitchFamily="18" charset="0"/>
+                                  </a:rPr>
+                                  <m:t>)</m:t>
+                                </m:r>
+                              </m:oMath>
+                            </m:oMathPara>
+                          </a14:m>
+                          <a:endParaRPr lang="fr-FR" dirty="0"/>
+                        </a:p>
+                      </a:txBody>
+                      <a:tcPr/>
+                    </a:tc>
+                    <a:tc>
+                      <a:txBody>
+                        <a:bodyPr/>
+                        <a:lstStyle/>
+                        <a:p>
+                          <a:r>
+                            <a:rPr lang="fr-FR" dirty="0"/>
+                            <a:t>-20 dB/décade</a:t>
+                          </a:r>
+                        </a:p>
+                        <a:p>
+                          <a:r>
+                            <a:rPr lang="fr-FR" dirty="0"/>
+                            <a:t>-90°</a:t>
+                          </a:r>
+                        </a:p>
+                      </a:txBody>
+                      <a:tcPr/>
+                    </a:tc>
+                    <a:tc gridSpan="2">
+                      <a:txBody>
+                        <a:bodyPr/>
+                        <a:lstStyle/>
+                        <a:p>
+                          <a:r>
+                            <a:rPr lang="fr-FR" dirty="0"/>
+                            <a:t>-40 dB/décade</a:t>
+                          </a:r>
+                        </a:p>
+                        <a:p>
+                          <a:r>
+                            <a:rPr lang="fr-FR" dirty="0"/>
+                            <a:t>-180°</a:t>
+                          </a:r>
+                        </a:p>
+                      </a:txBody>
+                      <a:tcPr/>
+                    </a:tc>
+                    <a:tc hMerge="1">
+                      <a:txBody>
+                        <a:bodyPr/>
+                        <a:lstStyle/>
+                        <a:p>
+                          <a:endParaRPr lang="fr-FR" dirty="0"/>
+                        </a:p>
+                      </a:txBody>
+                      <a:tcPr/>
+                    </a:tc>
+                    <a:tc gridSpan="2">
+                      <a:txBody>
+                        <a:bodyPr/>
+                        <a:lstStyle/>
+                        <a:p>
+                          <a:r>
+                            <a:rPr lang="fr-FR" dirty="0"/>
+                            <a:t>-60 dB/décade</a:t>
+                          </a:r>
+                        </a:p>
+                        <a:p>
+                          <a:r>
+                            <a:rPr lang="fr-FR" dirty="0"/>
+                            <a:t>-270°</a:t>
+                          </a:r>
+                        </a:p>
+                      </a:txBody>
+                      <a:tcPr/>
+                    </a:tc>
+                    <a:tc hMerge="1">
+                      <a:txBody>
+                        <a:bodyPr/>
+                        <a:lstStyle/>
+                        <a:p>
+                          <a:endParaRPr lang="fr-FR" dirty="0"/>
+                        </a:p>
+                      </a:txBody>
+                      <a:tcPr/>
+                    </a:tc>
+                    <a:tc>
+                      <a:txBody>
+                        <a:bodyPr/>
+                        <a:lstStyle/>
+                        <a:p>
+                          <a:r>
+                            <a:rPr lang="fr-FR" dirty="0"/>
+                            <a:t>-40 dB/décade</a:t>
+                          </a:r>
+                        </a:p>
+                        <a:p>
+                          <a:r>
+                            <a:rPr lang="fr-FR"/>
+                            <a:t>-180°</a:t>
+                          </a:r>
+                        </a:p>
+                      </a:txBody>
+                      <a:tcPr/>
+                    </a:tc>
+                    <a:extLst>
+                      <a:ext uri="{0D108BD9-81ED-4DB2-BD59-A6C34878D82A}">
+                        <a16:rowId xmlns:a16="http://schemas.microsoft.com/office/drawing/2014/main" val="1811041506"/>
+                      </a:ext>
+                    </a:extLst>
+                  </a:tr>
+                </a:tbl>
+              </a:graphicData>
+            </a:graphic>
+          </p:graphicFrame>
+        </mc:Choice>
+        <mc:Fallback>
+          <p:graphicFrame>
+            <p:nvGraphicFramePr>
+              <p:cNvPr id="4" name="Tableau 4">
+                <a:extLst>
+                  <a:ext uri="{FF2B5EF4-FFF2-40B4-BE49-F238E27FC236}">
+                    <a16:creationId xmlns:a16="http://schemas.microsoft.com/office/drawing/2014/main" id="{54F70D7F-277A-EE0D-2DA1-1B109F09745E}"/>
+                  </a:ext>
+                </a:extLst>
+              </p:cNvPr>
+              <p:cNvGraphicFramePr>
+                <a:graphicFrameLocks noGrp="1"/>
+              </p:cNvGraphicFramePr>
+              <p:nvPr>
+                <p:extLst>
+                  <p:ext uri="{D42A27DB-BD31-4B8C-83A1-F6EECF244321}">
+                    <p14:modId xmlns:p14="http://schemas.microsoft.com/office/powerpoint/2010/main" val="2559908657"/>
+                  </p:ext>
+                </p:extLst>
+              </p:nvPr>
+            </p:nvGraphicFramePr>
+            <p:xfrm>
+              <a:off x="558800" y="2237916"/>
+              <a:ext cx="10668001" cy="4025406"/>
+            </p:xfrm>
+            <a:graphic>
+              <a:graphicData uri="http://schemas.openxmlformats.org/drawingml/2006/table">
+                <a:tbl>
+                  <a:tblPr firstRow="1" bandRow="1">
+                    <a:tableStyleId>{5940675A-B579-460E-94D1-54222C63F5DA}</a:tableStyleId>
+                  </a:tblPr>
+                  <a:tblGrid>
+                    <a:gridCol w="2124686">
+                      <a:extLst>
+                        <a:ext uri="{9D8B030D-6E8A-4147-A177-3AD203B41FA5}">
+                          <a16:colId xmlns:a16="http://schemas.microsoft.com/office/drawing/2014/main" val="2836250546"/>
+                        </a:ext>
+                      </a:extLst>
+                    </a:gridCol>
+                    <a:gridCol w="1699692">
+                      <a:extLst>
+                        <a:ext uri="{9D8B030D-6E8A-4147-A177-3AD203B41FA5}">
+                          <a16:colId xmlns:a16="http://schemas.microsoft.com/office/drawing/2014/main" val="2794441349"/>
+                        </a:ext>
+                      </a:extLst>
+                    </a:gridCol>
+                    <a:gridCol w="1148079">
+                      <a:extLst>
+                        <a:ext uri="{9D8B030D-6E8A-4147-A177-3AD203B41FA5}">
+                          <a16:colId xmlns:a16="http://schemas.microsoft.com/office/drawing/2014/main" val="3622158230"/>
+                        </a:ext>
+                      </a:extLst>
+                    </a:gridCol>
+                    <a:gridCol w="1423886">
+                      <a:extLst>
+                        <a:ext uri="{9D8B030D-6E8A-4147-A177-3AD203B41FA5}">
+                          <a16:colId xmlns:a16="http://schemas.microsoft.com/office/drawing/2014/main" val="2129763702"/>
+                        </a:ext>
+                      </a:extLst>
+                    </a:gridCol>
+                    <a:gridCol w="1423886">
+                      <a:extLst>
+                        <a:ext uri="{9D8B030D-6E8A-4147-A177-3AD203B41FA5}">
+                          <a16:colId xmlns:a16="http://schemas.microsoft.com/office/drawing/2014/main" val="4091109839"/>
+                        </a:ext>
+                      </a:extLst>
+                    </a:gridCol>
+                    <a:gridCol w="1031671">
+                      <a:extLst>
+                        <a:ext uri="{9D8B030D-6E8A-4147-A177-3AD203B41FA5}">
+                          <a16:colId xmlns:a16="http://schemas.microsoft.com/office/drawing/2014/main" val="4274175944"/>
+                        </a:ext>
+                      </a:extLst>
+                    </a:gridCol>
+                    <a:gridCol w="1816101">
+                      <a:extLst>
+                        <a:ext uri="{9D8B030D-6E8A-4147-A177-3AD203B41FA5}">
+                          <a16:colId xmlns:a16="http://schemas.microsoft.com/office/drawing/2014/main" val="1059561850"/>
+                        </a:ext>
+                      </a:extLst>
+                    </a:gridCol>
+                  </a:tblGrid>
+                  <a:tr h="799098">
+                    <a:tc>
+                      <a:txBody>
+                        <a:bodyPr/>
+                        <a:lstStyle/>
+                        <a:p>
+                          <a:endParaRPr lang="fr-FR" dirty="0"/>
+                        </a:p>
+                      </a:txBody>
+                      <a:tcPr/>
+                    </a:tc>
+                    <a:tc gridSpan="2">
+                      <a:txBody>
+                        <a:bodyPr/>
+                        <a:lstStyle/>
+                        <a:p>
+                          <a:endParaRPr lang="fr-FR"/>
+                        </a:p>
+                      </a:txBody>
+                      <a:tcPr anchor="ctr">
+                        <a:blipFill>
+                          <a:blip r:embed="rId2"/>
+                          <a:stretch>
+                            <a:fillRect l="-74946" t="-763" r="-200642" b="-416031"/>
+                          </a:stretch>
+                        </a:blipFill>
+                      </a:tcPr>
+                    </a:tc>
+                    <a:tc hMerge="1">
+                      <a:txBody>
+                        <a:bodyPr/>
+                        <a:lstStyle/>
+                        <a:p>
+                          <a:endParaRPr lang="fr-FR"/>
+                        </a:p>
+                      </a:txBody>
+                      <a:tcPr/>
+                    </a:tc>
+                    <a:tc gridSpan="2">
+                      <a:txBody>
+                        <a:bodyPr/>
+                        <a:lstStyle/>
+                        <a:p>
+                          <a:endParaRPr lang="fr-FR"/>
+                        </a:p>
+                      </a:txBody>
+                      <a:tcPr anchor="ctr">
+                        <a:blipFill>
+                          <a:blip r:embed="rId2"/>
+                          <a:stretch>
+                            <a:fillRect l="-174573" t="-763" r="-100214" b="-416031"/>
+                          </a:stretch>
+                        </a:blipFill>
+                      </a:tcPr>
+                    </a:tc>
+                    <a:tc hMerge="1">
+                      <a:txBody>
+                        <a:bodyPr/>
+                        <a:lstStyle/>
+                        <a:p>
+                          <a:endParaRPr lang="fr-FR"/>
+                        </a:p>
+                      </a:txBody>
+                      <a:tcPr/>
+                    </a:tc>
+                    <a:tc gridSpan="2">
+                      <a:txBody>
+                        <a:bodyPr/>
+                        <a:lstStyle/>
+                        <a:p>
+                          <a:endParaRPr lang="fr-FR"/>
+                        </a:p>
+                      </a:txBody>
+                      <a:tcPr anchor="ctr">
+                        <a:blipFill>
+                          <a:blip r:embed="rId2"/>
+                          <a:stretch>
+                            <a:fillRect l="-275161" t="-763" r="-428" b="-416031"/>
+                          </a:stretch>
+                        </a:blipFill>
+                      </a:tcPr>
+                    </a:tc>
+                    <a:tc hMerge="1">
+                      <a:txBody>
+                        <a:bodyPr/>
+                        <a:lstStyle/>
+                        <a:p>
+                          <a:endParaRPr lang="fr-FR"/>
+                        </a:p>
+                      </a:txBody>
+                      <a:tcPr/>
+                    </a:tc>
+                    <a:extLst>
+                      <a:ext uri="{0D108BD9-81ED-4DB2-BD59-A6C34878D82A}">
+                        <a16:rowId xmlns:a16="http://schemas.microsoft.com/office/drawing/2014/main" val="2345922396"/>
+                      </a:ext>
+                    </a:extLst>
+                  </a:tr>
+                  <a:tr h="640080">
+                    <a:tc>
+                      <a:txBody>
+                        <a:bodyPr/>
+                        <a:lstStyle/>
+                        <a:p>
+                          <a:endParaRPr lang="fr-FR"/>
+                        </a:p>
+                      </a:txBody>
+                      <a:tcPr>
+                        <a:blipFill>
+                          <a:blip r:embed="rId2"/>
+                          <a:stretch>
+                            <a:fillRect l="-287" t="-125714" r="-402292" b="-419048"/>
+                          </a:stretch>
+                        </a:blipFill>
+                      </a:tcPr>
+                    </a:tc>
+                    <a:tc>
+                      <a:txBody>
+                        <a:bodyPr/>
+                        <a:lstStyle/>
+                        <a:p>
+                          <a:r>
+                            <a:rPr lang="fr-FR" dirty="0"/>
+                            <a:t>0 dB/décade</a:t>
+                          </a:r>
+                        </a:p>
+                        <a:p>
+                          <a:r>
+                            <a:rPr lang="fr-FR" dirty="0"/>
+                            <a:t>0°</a:t>
+                          </a:r>
+                        </a:p>
+                      </a:txBody>
+                      <a:tcPr/>
+                    </a:tc>
+                    <a:tc gridSpan="2">
+                      <a:txBody>
+                        <a:bodyPr/>
+                        <a:lstStyle/>
+                        <a:p>
+                          <a:r>
+                            <a:rPr lang="fr-FR" dirty="0"/>
+                            <a:t>0 dB/décade</a:t>
+                          </a:r>
+                        </a:p>
+                        <a:p>
+                          <a:r>
+                            <a:rPr lang="fr-FR" dirty="0"/>
+                            <a:t>0°</a:t>
+                          </a:r>
+                        </a:p>
+                      </a:txBody>
+                      <a:tcPr/>
+                    </a:tc>
+                    <a:tc hMerge="1">
+                      <a:txBody>
+                        <a:bodyPr/>
+                        <a:lstStyle/>
+                        <a:p>
+                          <a:endParaRPr lang="fr-FR" dirty="0"/>
+                        </a:p>
+                      </a:txBody>
+                      <a:tcPr/>
+                    </a:tc>
+                    <a:tc gridSpan="2">
+                      <a:txBody>
+                        <a:bodyPr/>
+                        <a:lstStyle/>
+                        <a:p>
+                          <a:r>
+                            <a:rPr lang="fr-FR" dirty="0"/>
+                            <a:t>0 dB/décade</a:t>
+                          </a:r>
+                        </a:p>
+                        <a:p>
+                          <a:r>
+                            <a:rPr lang="fr-FR" dirty="0"/>
+                            <a:t>0°</a:t>
+                          </a:r>
+                        </a:p>
+                      </a:txBody>
+                      <a:tcPr/>
+                    </a:tc>
+                    <a:tc hMerge="1">
+                      <a:txBody>
+                        <a:bodyPr/>
+                        <a:lstStyle/>
+                        <a:p>
+                          <a:endParaRPr lang="fr-FR" dirty="0"/>
+                        </a:p>
+                      </a:txBody>
+                      <a:tcPr/>
+                    </a:tc>
+                    <a:tc>
+                      <a:txBody>
+                        <a:bodyPr/>
+                        <a:lstStyle/>
+                        <a:p>
+                          <a:r>
+                            <a:rPr lang="fr-FR" dirty="0"/>
+                            <a:t>+20 dB/décade</a:t>
+                          </a:r>
+                        </a:p>
+                        <a:p>
+                          <a:r>
+                            <a:rPr lang="fr-FR" dirty="0"/>
+                            <a:t>+90°</a:t>
+                          </a:r>
+                        </a:p>
+                      </a:txBody>
+                      <a:tcPr/>
+                    </a:tc>
+                    <a:extLst>
+                      <a:ext uri="{0D108BD9-81ED-4DB2-BD59-A6C34878D82A}">
+                        <a16:rowId xmlns:a16="http://schemas.microsoft.com/office/drawing/2014/main" val="2322493713"/>
+                      </a:ext>
+                    </a:extLst>
+                  </a:tr>
+                  <a:tr h="653034">
+                    <a:tc>
+                      <a:txBody>
+                        <a:bodyPr/>
+                        <a:lstStyle/>
+                        <a:p>
+                          <a:endParaRPr lang="fr-FR"/>
+                        </a:p>
+                      </a:txBody>
+                      <a:tcPr>
+                        <a:blipFill>
+                          <a:blip r:embed="rId2"/>
+                          <a:stretch>
+                            <a:fillRect l="-287" t="-219444" r="-402292" b="-307407"/>
+                          </a:stretch>
+                        </a:blipFill>
+                      </a:tcPr>
+                    </a:tc>
+                    <a:tc>
+                      <a:txBody>
+                        <a:bodyPr/>
+                        <a:lstStyle/>
+                        <a:p>
+                          <a:r>
+                            <a:rPr lang="fr-FR" dirty="0"/>
+                            <a:t>0 dB/décade</a:t>
+                          </a:r>
+                        </a:p>
+                      </a:txBody>
+                      <a:tcPr/>
+                    </a:tc>
+                    <a:tc gridSpan="2">
+                      <a:txBody>
+                        <a:bodyPr/>
+                        <a:lstStyle/>
+                        <a:p>
+                          <a:r>
+                            <a:rPr lang="fr-FR" dirty="0"/>
+                            <a:t>-20 dB/décade</a:t>
+                          </a:r>
+                        </a:p>
+                        <a:p>
+                          <a:r>
+                            <a:rPr lang="fr-FR" dirty="0"/>
+                            <a:t>-90°</a:t>
+                          </a:r>
+                        </a:p>
+                      </a:txBody>
+                      <a:tcPr/>
+                    </a:tc>
+                    <a:tc hMerge="1">
+                      <a:txBody>
+                        <a:bodyPr/>
+                        <a:lstStyle/>
+                        <a:p>
+                          <a:endParaRPr lang="fr-FR" dirty="0"/>
+                        </a:p>
+                      </a:txBody>
+                      <a:tcPr/>
+                    </a:tc>
+                    <a:tc gridSpan="2">
+                      <a:txBody>
+                        <a:bodyPr/>
+                        <a:lstStyle/>
+                        <a:p>
+                          <a:r>
+                            <a:rPr lang="fr-FR" dirty="0"/>
+                            <a:t>-20 dB/décade</a:t>
+                          </a:r>
+                        </a:p>
+                        <a:p>
+                          <a:r>
+                            <a:rPr lang="fr-FR" dirty="0"/>
+                            <a:t>-90°</a:t>
+                          </a:r>
+                        </a:p>
+                      </a:txBody>
+                      <a:tcPr/>
+                    </a:tc>
+                    <a:tc hMerge="1">
+                      <a:txBody>
+                        <a:bodyPr/>
+                        <a:lstStyle/>
+                        <a:p>
+                          <a:endParaRPr lang="fr-FR" dirty="0"/>
+                        </a:p>
+                      </a:txBody>
+                      <a:tcPr/>
+                    </a:tc>
+                    <a:tc>
+                      <a:txBody>
+                        <a:bodyPr/>
+                        <a:lstStyle/>
+                        <a:p>
+                          <a:r>
+                            <a:rPr lang="fr-FR" dirty="0"/>
+                            <a:t>-20 dB/décade</a:t>
+                          </a:r>
+                        </a:p>
+                        <a:p>
+                          <a:r>
+                            <a:rPr lang="fr-FR" dirty="0"/>
+                            <a:t>-90°</a:t>
+                          </a:r>
+                        </a:p>
+                      </a:txBody>
+                      <a:tcPr/>
+                    </a:tc>
+                    <a:extLst>
+                      <a:ext uri="{0D108BD9-81ED-4DB2-BD59-A6C34878D82A}">
+                        <a16:rowId xmlns:a16="http://schemas.microsoft.com/office/drawing/2014/main" val="2381357585"/>
+                      </a:ext>
+                    </a:extLst>
+                  </a:tr>
+                  <a:tr h="653034">
+                    <a:tc>
+                      <a:txBody>
+                        <a:bodyPr/>
+                        <a:lstStyle/>
+                        <a:p>
+                          <a:endParaRPr lang="fr-FR"/>
+                        </a:p>
+                      </a:txBody>
+                      <a:tcPr>
+                        <a:blipFill>
+                          <a:blip r:embed="rId2"/>
+                          <a:stretch>
+                            <a:fillRect l="-287" t="-322430" r="-402292" b="-210280"/>
+                          </a:stretch>
+                        </a:blipFill>
+                      </a:tcPr>
+                    </a:tc>
+                    <a:tc>
+                      <a:txBody>
+                        <a:bodyPr/>
+                        <a:lstStyle/>
+                        <a:p>
+                          <a:r>
+                            <a:rPr lang="fr-FR" dirty="0"/>
+                            <a:t>0 dB/décade</a:t>
+                          </a:r>
+                        </a:p>
+                        <a:p>
+                          <a:r>
+                            <a:rPr lang="fr-FR" dirty="0"/>
+                            <a:t>0°</a:t>
+                          </a:r>
+                        </a:p>
+                      </a:txBody>
+                      <a:tcPr/>
+                    </a:tc>
+                    <a:tc gridSpan="2">
+                      <a:txBody>
+                        <a:bodyPr/>
+                        <a:lstStyle/>
+                        <a:p>
+                          <a:r>
+                            <a:rPr lang="fr-FR" dirty="0"/>
+                            <a:t>0 dB/décade</a:t>
+                          </a:r>
+                        </a:p>
+                        <a:p>
+                          <a:r>
+                            <a:rPr lang="fr-FR" dirty="0"/>
+                            <a:t>0°</a:t>
+                          </a:r>
+                        </a:p>
+                      </a:txBody>
+                      <a:tcPr/>
+                    </a:tc>
+                    <a:tc hMerge="1">
+                      <a:txBody>
+                        <a:bodyPr/>
+                        <a:lstStyle/>
+                        <a:p>
+                          <a:endParaRPr lang="fr-FR" dirty="0"/>
+                        </a:p>
+                      </a:txBody>
+                      <a:tcPr/>
+                    </a:tc>
+                    <a:tc gridSpan="2">
+                      <a:txBody>
+                        <a:bodyPr/>
+                        <a:lstStyle/>
+                        <a:p>
+                          <a:r>
+                            <a:rPr lang="fr-FR" dirty="0"/>
+                            <a:t>-20 dB/décade</a:t>
+                          </a:r>
+                        </a:p>
+                        <a:p>
+                          <a:r>
+                            <a:rPr lang="fr-FR" dirty="0"/>
+                            <a:t>-90°</a:t>
+                          </a:r>
+                        </a:p>
+                      </a:txBody>
+                      <a:tcPr/>
+                    </a:tc>
+                    <a:tc hMerge="1">
+                      <a:txBody>
+                        <a:bodyPr/>
+                        <a:lstStyle/>
+                        <a:p>
+                          <a:endParaRPr lang="fr-FR" dirty="0"/>
+                        </a:p>
+                      </a:txBody>
+                      <a:tcPr/>
+                    </a:tc>
+                    <a:tc>
+                      <a:txBody>
+                        <a:bodyPr/>
+                        <a:lstStyle/>
+                        <a:p>
+                          <a:r>
+                            <a:rPr lang="fr-FR" dirty="0"/>
+                            <a:t>-20 dB/décade</a:t>
+                          </a:r>
+                        </a:p>
+                        <a:p>
+                          <a:r>
+                            <a:rPr lang="fr-FR" dirty="0"/>
+                            <a:t>-90°</a:t>
+                          </a:r>
+                        </a:p>
+                      </a:txBody>
+                      <a:tcPr/>
+                    </a:tc>
+                    <a:extLst>
+                      <a:ext uri="{0D108BD9-81ED-4DB2-BD59-A6C34878D82A}">
+                        <a16:rowId xmlns:a16="http://schemas.microsoft.com/office/drawing/2014/main" val="236419386"/>
+                      </a:ext>
+                    </a:extLst>
+                  </a:tr>
+                  <a:tr h="640080">
+                    <a:tc>
+                      <a:txBody>
+                        <a:bodyPr/>
+                        <a:lstStyle/>
+                        <a:p>
+                          <a:endParaRPr lang="fr-FR"/>
+                        </a:p>
+                      </a:txBody>
+                      <a:tcPr>
+                        <a:blipFill>
+                          <a:blip r:embed="rId2"/>
+                          <a:stretch>
+                            <a:fillRect l="-287" t="-430476" r="-402292" b="-114286"/>
+                          </a:stretch>
+                        </a:blipFill>
+                      </a:tcPr>
+                    </a:tc>
+                    <a:tc>
+                      <a:txBody>
+                        <a:bodyPr/>
+                        <a:lstStyle/>
+                        <a:p>
+                          <a:r>
+                            <a:rPr lang="fr-FR" dirty="0"/>
+                            <a:t>-20 dB/décade</a:t>
+                          </a:r>
+                        </a:p>
+                        <a:p>
+                          <a:r>
+                            <a:rPr lang="fr-FR" dirty="0"/>
+                            <a:t>-90°</a:t>
+                          </a:r>
+                        </a:p>
+                      </a:txBody>
+                      <a:tcPr/>
+                    </a:tc>
+                    <a:tc gridSpan="2">
+                      <a:txBody>
+                        <a:bodyPr/>
+                        <a:lstStyle/>
+                        <a:p>
+                          <a:r>
+                            <a:rPr lang="fr-FR" dirty="0"/>
+                            <a:t>-20 dB/décade</a:t>
+                          </a:r>
+                        </a:p>
+                        <a:p>
+                          <a:r>
+                            <a:rPr lang="fr-FR" dirty="0"/>
+                            <a:t>-90°</a:t>
+                          </a:r>
+                        </a:p>
+                      </a:txBody>
+                      <a:tcPr/>
+                    </a:tc>
+                    <a:tc hMerge="1">
+                      <a:txBody>
+                        <a:bodyPr/>
+                        <a:lstStyle/>
+                        <a:p>
+                          <a:endParaRPr lang="fr-FR" dirty="0"/>
+                        </a:p>
+                      </a:txBody>
+                      <a:tcPr/>
+                    </a:tc>
+                    <a:tc gridSpan="2">
+                      <a:txBody>
+                        <a:bodyPr/>
+                        <a:lstStyle/>
+                        <a:p>
+                          <a:r>
+                            <a:rPr lang="fr-FR" dirty="0"/>
+                            <a:t>-20 dB/décade</a:t>
+                          </a:r>
+                        </a:p>
+                        <a:p>
+                          <a:r>
+                            <a:rPr lang="fr-FR" dirty="0"/>
+                            <a:t>-90°</a:t>
+                          </a:r>
+                        </a:p>
+                      </a:txBody>
+                      <a:tcPr/>
+                    </a:tc>
+                    <a:tc hMerge="1">
+                      <a:txBody>
+                        <a:bodyPr/>
+                        <a:lstStyle/>
+                        <a:p>
+                          <a:endParaRPr lang="fr-FR" dirty="0"/>
+                        </a:p>
+                      </a:txBody>
+                      <a:tcPr/>
+                    </a:tc>
+                    <a:tc>
+                      <a:txBody>
+                        <a:bodyPr/>
+                        <a:lstStyle/>
+                        <a:p>
+                          <a:r>
+                            <a:rPr lang="fr-FR" dirty="0"/>
+                            <a:t>-20 dB/décade</a:t>
+                          </a:r>
+                        </a:p>
+                        <a:p>
+                          <a:r>
+                            <a:rPr lang="fr-FR" dirty="0"/>
+                            <a:t>-90°</a:t>
+                          </a:r>
+                        </a:p>
+                      </a:txBody>
+                      <a:tcPr/>
+                    </a:tc>
+                    <a:extLst>
+                      <a:ext uri="{0D108BD9-81ED-4DB2-BD59-A6C34878D82A}">
+                        <a16:rowId xmlns:a16="http://schemas.microsoft.com/office/drawing/2014/main" val="4095301325"/>
+                      </a:ext>
+                    </a:extLst>
+                  </a:tr>
+                  <a:tr h="640080">
+                    <a:tc>
+                      <a:txBody>
+                        <a:bodyPr/>
+                        <a:lstStyle/>
+                        <a:p>
+                          <a:endParaRPr lang="fr-FR"/>
+                        </a:p>
+                      </a:txBody>
+                      <a:tcPr>
+                        <a:blipFill>
+                          <a:blip r:embed="rId2"/>
+                          <a:stretch>
+                            <a:fillRect l="-287" t="-530476" r="-402292" b="-14286"/>
+                          </a:stretch>
+                        </a:blipFill>
+                      </a:tcPr>
+                    </a:tc>
+                    <a:tc>
+                      <a:txBody>
+                        <a:bodyPr/>
+                        <a:lstStyle/>
+                        <a:p>
+                          <a:r>
+                            <a:rPr lang="fr-FR" dirty="0"/>
+                            <a:t>-20 dB/décade</a:t>
+                          </a:r>
+                        </a:p>
+                        <a:p>
+                          <a:r>
+                            <a:rPr lang="fr-FR" dirty="0"/>
+                            <a:t>-90°</a:t>
+                          </a:r>
+                        </a:p>
+                      </a:txBody>
+                      <a:tcPr/>
+                    </a:tc>
+                    <a:tc gridSpan="2">
+                      <a:txBody>
+                        <a:bodyPr/>
+                        <a:lstStyle/>
+                        <a:p>
+                          <a:r>
+                            <a:rPr lang="fr-FR" dirty="0"/>
+                            <a:t>-40 dB/décade</a:t>
+                          </a:r>
+                        </a:p>
+                        <a:p>
+                          <a:r>
+                            <a:rPr lang="fr-FR" dirty="0"/>
+                            <a:t>-180°</a:t>
+                          </a:r>
+                        </a:p>
+                      </a:txBody>
+                      <a:tcPr/>
+                    </a:tc>
+                    <a:tc hMerge="1">
+                      <a:txBody>
+                        <a:bodyPr/>
+                        <a:lstStyle/>
+                        <a:p>
+                          <a:endParaRPr lang="fr-FR" dirty="0"/>
+                        </a:p>
+                      </a:txBody>
+                      <a:tcPr/>
+                    </a:tc>
+                    <a:tc gridSpan="2">
+                      <a:txBody>
+                        <a:bodyPr/>
+                        <a:lstStyle/>
+                        <a:p>
+                          <a:r>
+                            <a:rPr lang="fr-FR" dirty="0"/>
+                            <a:t>-60 dB/décade</a:t>
+                          </a:r>
+                        </a:p>
+                        <a:p>
+                          <a:r>
+                            <a:rPr lang="fr-FR" dirty="0"/>
+                            <a:t>-270°</a:t>
+                          </a:r>
+                        </a:p>
+                      </a:txBody>
+                      <a:tcPr/>
+                    </a:tc>
+                    <a:tc hMerge="1">
+                      <a:txBody>
+                        <a:bodyPr/>
+                        <a:lstStyle/>
+                        <a:p>
+                          <a:endParaRPr lang="fr-FR" dirty="0"/>
+                        </a:p>
+                      </a:txBody>
+                      <a:tcPr/>
+                    </a:tc>
+                    <a:tc>
+                      <a:txBody>
+                        <a:bodyPr/>
+                        <a:lstStyle/>
+                        <a:p>
+                          <a:r>
+                            <a:rPr lang="fr-FR" dirty="0"/>
+                            <a:t>-40 dB/décade</a:t>
+                          </a:r>
+                        </a:p>
+                        <a:p>
+                          <a:r>
+                            <a:rPr lang="fr-FR"/>
+                            <a:t>-180°</a:t>
+                          </a:r>
+                        </a:p>
+                      </a:txBody>
+                      <a:tcPr/>
+                    </a:tc>
+                    <a:extLst>
+                      <a:ext uri="{0D108BD9-81ED-4DB2-BD59-A6C34878D82A}">
+                        <a16:rowId xmlns:a16="http://schemas.microsoft.com/office/drawing/2014/main" val="1811041506"/>
+                      </a:ext>
+                    </a:extLst>
+                  </a:tr>
+                </a:tbl>
+              </a:graphicData>
+            </a:graphic>
+          </p:graphicFrame>
+        </mc:Fallback>
+      </mc:AlternateContent>
+    </p:spTree>
+    <p:extLst>
+      <p:ext uri="{BB962C8B-B14F-4D97-AF65-F5344CB8AC3E}">
+        <p14:creationId xmlns:p14="http://schemas.microsoft.com/office/powerpoint/2010/main" val="8897521"/>
+      </p:ext>
+    </p:extLst>
+  </p:cSld>
+  <p:clrMapOvr>
+    <a:masterClrMapping/>
+  </p:clrMapOvr>
+</p:sld>
+</file>
+
 <file path=ppt/theme/theme1.xml><?xml version="1.0" encoding="utf-8"?>
 <a:theme xmlns:a="http://schemas.openxmlformats.org/drawingml/2006/main" name="Thème Office">
   <a:themeElements>
